--- a/Ooh look a title.pptx
+++ b/Ooh look a title.pptx
@@ -10,12 +10,12 @@
     <p:sldId id="267" r:id="rId4"/>
     <p:sldId id="258" r:id="rId5"/>
     <p:sldId id="259" r:id="rId6"/>
-    <p:sldId id="260" r:id="rId7"/>
-    <p:sldId id="261" r:id="rId8"/>
-    <p:sldId id="262" r:id="rId9"/>
-    <p:sldId id="263" r:id="rId10"/>
-    <p:sldId id="265" r:id="rId11"/>
-    <p:sldId id="266" r:id="rId12"/>
+    <p:sldId id="266" r:id="rId7"/>
+    <p:sldId id="260" r:id="rId8"/>
+    <p:sldId id="261" r:id="rId9"/>
+    <p:sldId id="262" r:id="rId10"/>
+    <p:sldId id="263" r:id="rId11"/>
+    <p:sldId id="265" r:id="rId12"/>
     <p:sldId id="268" r:id="rId13"/>
     <p:sldId id="269" r:id="rId14"/>
     <p:sldId id="264" r:id="rId15"/>
@@ -117,7 +117,16 @@
       </a:defRPr>
     </a:lvl9pPr>
   </p:defaultTextStyle>
+  <p:extLst>
+    <p:ext uri="{EFAFB233-063F-42B5-8137-9DF3F51BA10A}">
+      <p15:sldGuideLst xmlns:p15="http://schemas.microsoft.com/office/powerpoint/2012/main"/>
+    </p:ext>
+  </p:extLst>
 </p:presentation>
+</file>
+
+<file path=ppt/revisionInfo.xml><?xml version="1.0" encoding="utf-8"?>
+<p1510:revInfo xmlns:a="http://schemas.openxmlformats.org/drawingml/2006/main" xmlns:r="http://schemas.openxmlformats.org/officeDocument/2006/relationships" xmlns:p1510="http://schemas.microsoft.com/office/powerpoint/2015/10/main"/>
 </file>
 
 <file path=ppt/slideLayouts/slideLayout1.xml><?xml version="1.0" encoding="utf-8"?>
@@ -289,7 +298,7 @@
           <a:p>
             <a:fld id="{4AAD347D-5ACD-4C99-B74B-A9C85AD731AF}" type="datetimeFigureOut">
               <a:rPr lang="en-US" smtClean="0"/>
-              <a:t>12/6/2018</a:t>
+              <a:t>1/28/2019</a:t>
             </a:fld>
             <a:endParaRPr lang="en-US" dirty="0"/>
           </a:p>
@@ -619,7 +628,7 @@
           <a:p>
             <a:fld id="{4509A250-FF31-4206-8172-F9D3106AACB1}" type="datetimeFigureOut">
               <a:rPr lang="en-US" smtClean="0"/>
-              <a:t>12/6/2018</a:t>
+              <a:t>1/28/2019</a:t>
             </a:fld>
             <a:endParaRPr lang="en-US" dirty="0"/>
           </a:p>
@@ -799,7 +808,7 @@
           <a:p>
             <a:fld id="{4509A250-FF31-4206-8172-F9D3106AACB1}" type="datetimeFigureOut">
               <a:rPr lang="en-US" smtClean="0"/>
-              <a:t>12/6/2018</a:t>
+              <a:t>1/28/2019</a:t>
             </a:fld>
             <a:endParaRPr lang="en-US" dirty="0"/>
           </a:p>
@@ -969,7 +978,7 @@
           <a:p>
             <a:fld id="{4509A250-FF31-4206-8172-F9D3106AACB1}" type="datetimeFigureOut">
               <a:rPr lang="en-US" smtClean="0"/>
-              <a:t>12/6/2018</a:t>
+              <a:t>1/28/2019</a:t>
             </a:fld>
             <a:endParaRPr lang="en-US" dirty="0"/>
           </a:p>
@@ -1246,7 +1255,7 @@
           <a:p>
             <a:fld id="{9796027F-7875-4030-9381-8BD8C4F21935}" type="datetimeFigureOut">
               <a:rPr lang="en-US" smtClean="0"/>
-              <a:t>12/6/2018</a:t>
+              <a:t>1/28/2019</a:t>
             </a:fld>
             <a:endParaRPr lang="en-US" dirty="0"/>
           </a:p>
@@ -1640,7 +1649,7 @@
           <a:p>
             <a:fld id="{9796027F-7875-4030-9381-8BD8C4F21935}" type="datetimeFigureOut">
               <a:rPr lang="en-US" smtClean="0"/>
-              <a:t>12/6/2018</a:t>
+              <a:t>1/28/2019</a:t>
             </a:fld>
             <a:endParaRPr lang="en-US" dirty="0"/>
           </a:p>
@@ -2117,7 +2126,7 @@
           <a:p>
             <a:fld id="{9796027F-7875-4030-9381-8BD8C4F21935}" type="datetimeFigureOut">
               <a:rPr lang="en-US" smtClean="0"/>
-              <a:t>12/6/2018</a:t>
+              <a:t>1/28/2019</a:t>
             </a:fld>
             <a:endParaRPr lang="en-US" dirty="0"/>
           </a:p>
@@ -2235,7 +2244,7 @@
           <a:p>
             <a:fld id="{4509A250-FF31-4206-8172-F9D3106AACB1}" type="datetimeFigureOut">
               <a:rPr lang="en-US" smtClean="0"/>
-              <a:t>12/6/2018</a:t>
+              <a:t>1/28/2019</a:t>
             </a:fld>
             <a:endParaRPr lang="en-US" dirty="0"/>
           </a:p>
@@ -2330,7 +2339,7 @@
           <a:p>
             <a:fld id="{4509A250-FF31-4206-8172-F9D3106AACB1}" type="datetimeFigureOut">
               <a:rPr lang="en-US" smtClean="0"/>
-              <a:t>12/6/2018</a:t>
+              <a:t>1/28/2019</a:t>
             </a:fld>
             <a:endParaRPr lang="en-US" dirty="0"/>
           </a:p>
@@ -2676,7 +2685,7 @@
           <a:p>
             <a:fld id="{4509A250-FF31-4206-8172-F9D3106AACB1}" type="datetimeFigureOut">
               <a:rPr lang="en-US" smtClean="0"/>
-              <a:t>12/6/2018</a:t>
+              <a:t>1/28/2019</a:t>
             </a:fld>
             <a:endParaRPr lang="en-US" dirty="0"/>
           </a:p>
@@ -3064,7 +3073,7 @@
           <a:p>
             <a:fld id="{4509A250-FF31-4206-8172-F9D3106AACB1}" type="datetimeFigureOut">
               <a:rPr lang="en-US" smtClean="0"/>
-              <a:t>12/6/2018</a:t>
+              <a:t>1/28/2019</a:t>
             </a:fld>
             <a:endParaRPr lang="en-US" dirty="0"/>
           </a:p>
@@ -3342,7 +3351,7 @@
           <a:p>
             <a:fld id="{4AAD347D-5ACD-4C99-B74B-A9C85AD731AF}" type="datetimeFigureOut">
               <a:rPr lang="en-US" smtClean="0"/>
-              <a:t>12/6/2018</a:t>
+              <a:t>1/28/2019</a:t>
             </a:fld>
             <a:endParaRPr lang="en-US" dirty="0"/>
           </a:p>
@@ -3884,10 +3893,7 @@
           <a:bodyPr/>
           <a:lstStyle/>
           <a:p>
-            <a:r>
-              <a:rPr lang="en-US" dirty="0"/>
-              <a:t>Ooh look a title</a:t>
-            </a:r>
+            <a:endParaRPr lang="en-US" dirty="0"/>
           </a:p>
         </p:txBody>
       </p:sp>
@@ -3959,7 +3965,7 @@
           <p:cNvPr id="2" name="Title 1">
             <a:extLst>
               <a:ext uri="{FF2B5EF4-FFF2-40B4-BE49-F238E27FC236}">
-                <a16:creationId xmlns:a16="http://schemas.microsoft.com/office/drawing/2014/main" id="{BF053BA7-1849-4B5C-B2F4-A70C90E063D6}"/>
+                <a16:creationId xmlns:a16="http://schemas.microsoft.com/office/drawing/2014/main" id="{F3E288A5-E97E-4B80-994F-961679D1028F}"/>
               </a:ext>
             </a:extLst>
           </p:cNvPr>
@@ -3973,42 +3979,7 @@
         <p:spPr>
           <a:xfrm>
             <a:off x="1371600" y="685800"/>
-            <a:ext cx="9601200" cy="665328"/>
-          </a:xfrm>
-        </p:spPr>
-        <p:txBody>
-          <a:bodyPr>
-            <a:normAutofit fontScale="90000"/>
-          </a:bodyPr>
-          <a:lstStyle/>
-          <a:p>
-            <a:r>
-              <a:rPr lang="en-US" dirty="0"/>
-              <a:t>Differentiable Rendering</a:t>
-            </a:r>
-          </a:p>
-        </p:txBody>
-      </p:sp>
-      <p:sp>
-        <p:nvSpPr>
-          <p:cNvPr id="3" name="Content Placeholder 2">
-            <a:extLst>
-              <a:ext uri="{FF2B5EF4-FFF2-40B4-BE49-F238E27FC236}">
-                <a16:creationId xmlns:a16="http://schemas.microsoft.com/office/drawing/2014/main" id="{172925A5-5B4B-42CE-8EFD-90B7BE7CA2A3}"/>
-              </a:ext>
-            </a:extLst>
-          </p:cNvPr>
-          <p:cNvSpPr>
-            <a:spLocks noGrp="1"/>
-          </p:cNvSpPr>
-          <p:nvPr>
-            <p:ph idx="1"/>
-          </p:nvPr>
-        </p:nvSpPr>
-        <p:spPr>
-          <a:xfrm>
-            <a:off x="1371600" y="1351128"/>
-            <a:ext cx="9601200" cy="4954138"/>
+            <a:ext cx="9601200" cy="791308"/>
           </a:xfrm>
         </p:spPr>
         <p:txBody>
@@ -4017,23 +3988,17 @@
           <a:p>
             <a:r>
               <a:rPr lang="en-US" dirty="0"/>
-              <a:t>Is a way to create images without disrupting the training process</a:t>
-            </a:r>
-          </a:p>
-          <a:p>
-            <a:r>
-              <a:rPr lang="en-US" dirty="0"/>
-              <a:t>Helps bridge the gap between 2D and 3D</a:t>
+              <a:t>Generative Adversarial Networks</a:t>
             </a:r>
           </a:p>
         </p:txBody>
       </p:sp>
       <p:pic>
         <p:nvPicPr>
-          <p:cNvPr id="4" name="Picture 2" descr="Image result for rasterization diagram">
+          <p:cNvPr id="5122" name="Picture 2" descr="Image result for general adversarial network diagram">
             <a:extLst>
               <a:ext uri="{FF2B5EF4-FFF2-40B4-BE49-F238E27FC236}">
-                <a16:creationId xmlns:a16="http://schemas.microsoft.com/office/drawing/2014/main" id="{9C5A65E1-0A13-4B8B-9CE4-00F68E1FEFFF}"/>
+                <a16:creationId xmlns:a16="http://schemas.microsoft.com/office/drawing/2014/main" id="{E6085F81-F871-459F-8AC1-2339FC55C7D0}"/>
               </a:ext>
             </a:extLst>
           </p:cNvPr>
@@ -4057,8 +4022,8 @@
         </p:blipFill>
         <p:spPr bwMode="auto">
           <a:xfrm>
-            <a:off x="5507807" y="2144753"/>
-            <a:ext cx="5942665" cy="4605566"/>
+            <a:off x="1371600" y="1477108"/>
+            <a:ext cx="9334500" cy="5197177"/>
           </a:xfrm>
           <a:prstGeom prst="rect">
             <a:avLst/>
@@ -4078,7 +4043,7 @@
     </p:spTree>
     <p:extLst>
       <p:ext uri="{BB962C8B-B14F-4D97-AF65-F5344CB8AC3E}">
-        <p14:creationId xmlns:p14="http://schemas.microsoft.com/office/powerpoint/2010/main" val="2486914020"/>
+        <p14:creationId xmlns:p14="http://schemas.microsoft.com/office/powerpoint/2010/main" val="704181899"/>
       </p:ext>
     </p:extLst>
   </p:cSld>
@@ -4118,7 +4083,7 @@
           <p:cNvPr id="2" name="Title 1">
             <a:extLst>
               <a:ext uri="{FF2B5EF4-FFF2-40B4-BE49-F238E27FC236}">
-                <a16:creationId xmlns:a16="http://schemas.microsoft.com/office/drawing/2014/main" id="{FE6C68BE-6370-4FA9-AF2F-EC51BCC7DD0B}"/>
+                <a16:creationId xmlns:a16="http://schemas.microsoft.com/office/drawing/2014/main" id="{BF053BA7-1849-4B5C-B2F4-A70C90E063D6}"/>
               </a:ext>
             </a:extLst>
           </p:cNvPr>
@@ -4129,24 +4094,70 @@
             <p:ph type="title"/>
           </p:nvPr>
         </p:nvSpPr>
-        <p:spPr/>
+        <p:spPr>
+          <a:xfrm>
+            <a:off x="1371600" y="685800"/>
+            <a:ext cx="9601200" cy="665328"/>
+          </a:xfrm>
+        </p:spPr>
+        <p:txBody>
+          <a:bodyPr>
+            <a:normAutofit fontScale="90000"/>
+          </a:bodyPr>
+          <a:lstStyle/>
+          <a:p>
+            <a:r>
+              <a:rPr lang="en-US" dirty="0"/>
+              <a:t>Differentiable Rendering</a:t>
+            </a:r>
+          </a:p>
+        </p:txBody>
+      </p:sp>
+      <p:sp>
+        <p:nvSpPr>
+          <p:cNvPr id="3" name="Content Placeholder 2">
+            <a:extLst>
+              <a:ext uri="{FF2B5EF4-FFF2-40B4-BE49-F238E27FC236}">
+                <a16:creationId xmlns:a16="http://schemas.microsoft.com/office/drawing/2014/main" id="{172925A5-5B4B-42CE-8EFD-90B7BE7CA2A3}"/>
+              </a:ext>
+            </a:extLst>
+          </p:cNvPr>
+          <p:cNvSpPr>
+            <a:spLocks noGrp="1"/>
+          </p:cNvSpPr>
+          <p:nvPr>
+            <p:ph idx="1"/>
+          </p:nvPr>
+        </p:nvSpPr>
+        <p:spPr>
+          <a:xfrm>
+            <a:off x="1371600" y="1351128"/>
+            <a:ext cx="9601200" cy="4954138"/>
+          </a:xfrm>
+        </p:spPr>
         <p:txBody>
           <a:bodyPr/>
           <a:lstStyle/>
           <a:p>
             <a:r>
               <a:rPr lang="en-US" dirty="0"/>
-              <a:t>Solving the problems</a:t>
+              <a:t>Is a way to create images without disrupting the training process</a:t>
+            </a:r>
+          </a:p>
+          <a:p>
+            <a:r>
+              <a:rPr lang="en-US" dirty="0"/>
+              <a:t>Helps bridge the gap between 2D and 3D</a:t>
             </a:r>
           </a:p>
         </p:txBody>
       </p:sp>
       <p:pic>
         <p:nvPicPr>
-          <p:cNvPr id="7170" name="Picture 2" descr="Image result for depth map">
+          <p:cNvPr id="4" name="Picture 2" descr="Image result for rasterization diagram">
             <a:extLst>
               <a:ext uri="{FF2B5EF4-FFF2-40B4-BE49-F238E27FC236}">
-                <a16:creationId xmlns:a16="http://schemas.microsoft.com/office/drawing/2014/main" id="{63CFE17D-CE54-4E7D-8D20-9D6C698A8F00}"/>
+                <a16:creationId xmlns:a16="http://schemas.microsoft.com/office/drawing/2014/main" id="{9C5A65E1-0A13-4B8B-9CE4-00F68E1FEFFF}"/>
               </a:ext>
             </a:extLst>
           </p:cNvPr>
@@ -4170,8 +4181,8 @@
         </p:blipFill>
         <p:spPr bwMode="auto">
           <a:xfrm>
-            <a:off x="1371600" y="1661984"/>
-            <a:ext cx="9192904" cy="2350458"/>
+            <a:off x="5507807" y="2144753"/>
+            <a:ext cx="5942665" cy="4605566"/>
           </a:xfrm>
           <a:prstGeom prst="rect">
             <a:avLst/>
@@ -4188,57 +4199,10 @@
           </a:extLst>
         </p:spPr>
       </p:pic>
-      <p:pic>
-        <p:nvPicPr>
-          <p:cNvPr id="7172" name="Picture 4" descr="Image result for depth map">
-            <a:extLst>
-              <a:ext uri="{FF2B5EF4-FFF2-40B4-BE49-F238E27FC236}">
-                <a16:creationId xmlns:a16="http://schemas.microsoft.com/office/drawing/2014/main" id="{07C415BB-7294-4F70-9906-9BA814E680B6}"/>
-              </a:ext>
-            </a:extLst>
-          </p:cNvPr>
-          <p:cNvPicPr>
-            <a:picLocks noChangeAspect="1" noChangeArrowheads="1"/>
-          </p:cNvPicPr>
-          <p:nvPr/>
-        </p:nvPicPr>
-        <p:blipFill>
-          <a:blip r:embed="rId3">
-            <a:extLst>
-              <a:ext uri="{28A0092B-C50C-407E-A947-70E740481C1C}">
-                <a14:useLocalDpi xmlns:a14="http://schemas.microsoft.com/office/drawing/2010/main" val="0"/>
-              </a:ext>
-            </a:extLst>
-          </a:blip>
-          <a:srcRect/>
-          <a:stretch>
-            <a:fillRect/>
-          </a:stretch>
-        </p:blipFill>
-        <p:spPr bwMode="auto">
-          <a:xfrm>
-            <a:off x="1371600" y="4328852"/>
-            <a:ext cx="4111388" cy="2413511"/>
-          </a:xfrm>
-          <a:prstGeom prst="rect">
-            <a:avLst/>
-          </a:prstGeom>
-          <a:noFill/>
-          <a:extLst>
-            <a:ext uri="{909E8E84-426E-40DD-AFC4-6F175D3DCCD1}">
-              <a14:hiddenFill xmlns:a14="http://schemas.microsoft.com/office/drawing/2010/main">
-                <a:solidFill>
-                  <a:srgbClr val="FFFFFF"/>
-                </a:solidFill>
-              </a14:hiddenFill>
-            </a:ext>
-          </a:extLst>
-        </p:spPr>
-      </p:pic>
     </p:spTree>
     <p:extLst>
       <p:ext uri="{BB962C8B-B14F-4D97-AF65-F5344CB8AC3E}">
-        <p14:creationId xmlns:p14="http://schemas.microsoft.com/office/powerpoint/2010/main" val="1996846594"/>
+        <p14:creationId xmlns:p14="http://schemas.microsoft.com/office/powerpoint/2010/main" val="2486914020"/>
       </p:ext>
     </p:extLst>
   </p:cSld>
@@ -4273,8 +4237,8 @@
           <a:chExt cx="0" cy="0"/>
         </a:xfrm>
       </p:grpSpPr>
-      <mc:AlternateContent xmlns:mc="http://schemas.openxmlformats.org/markup-compatibility/2006">
-        <mc:Choice xmlns:a14="http://schemas.microsoft.com/office/drawing/2010/main" Requires="a14">
+      <mc:AlternateContent xmlns:mc="http://schemas.openxmlformats.org/markup-compatibility/2006" xmlns:a14="http://schemas.microsoft.com/office/drawing/2010/main">
+        <mc:Choice Requires="a14">
           <p:sp>
             <p:nvSpPr>
               <p:cNvPr id="6" name="Rectangle: Rounded Corners 5">
@@ -4344,7 +4308,7 @@
             </p:txBody>
           </p:sp>
         </mc:Choice>
-        <mc:Fallback>
+        <mc:Fallback xmlns="">
           <p:sp>
             <p:nvSpPr>
               <p:cNvPr id="6" name="Rectangle: Rounded Corners 5">
@@ -4389,8 +4353,8 @@
           </p:sp>
         </mc:Fallback>
       </mc:AlternateContent>
-      <mc:AlternateContent xmlns:mc="http://schemas.openxmlformats.org/markup-compatibility/2006">
-        <mc:Choice xmlns:a14="http://schemas.microsoft.com/office/drawing/2010/main" Requires="a14">
+      <mc:AlternateContent xmlns:mc="http://schemas.openxmlformats.org/markup-compatibility/2006" xmlns:a14="http://schemas.microsoft.com/office/drawing/2010/main">
+        <mc:Choice Requires="a14">
           <p:sp>
             <p:nvSpPr>
               <p:cNvPr id="8" name="Rectangle: Rounded Corners 7">
@@ -4452,7 +4416,7 @@
             </p:txBody>
           </p:sp>
         </mc:Choice>
-        <mc:Fallback>
+        <mc:Fallback xmlns="">
           <p:sp>
             <p:nvSpPr>
               <p:cNvPr id="8" name="Rectangle: Rounded Corners 7">
@@ -4716,7 +4680,7 @@
         </p:blipFill>
         <p:spPr>
           <a:xfrm>
-            <a:off x="6070049" y="869298"/>
+            <a:off x="6070049" y="804837"/>
             <a:ext cx="2197245" cy="2436610"/>
           </a:xfrm>
           <a:prstGeom prst="rect">
@@ -6836,7 +6800,7 @@
           <a:p>
             <a:r>
               <a:rPr lang="en-US" dirty="0"/>
-              <a:t>Current stuff</a:t>
+              <a:t>Current research</a:t>
             </a:r>
           </a:p>
         </p:txBody>
@@ -7128,7 +7092,7 @@
           <p:cNvPr id="2" name="Title 1">
             <a:extLst>
               <a:ext uri="{FF2B5EF4-FFF2-40B4-BE49-F238E27FC236}">
-                <a16:creationId xmlns:a16="http://schemas.microsoft.com/office/drawing/2014/main" id="{199E0C0B-7491-4CE6-A503-17EFE4339C94}"/>
+                <a16:creationId xmlns:a16="http://schemas.microsoft.com/office/drawing/2014/main" id="{FE6C68BE-6370-4FA9-AF2F-EC51BCC7DD0B}"/>
               </a:ext>
             </a:extLst>
           </p:cNvPr>
@@ -7146,83 +7110,17 @@
           <a:p>
             <a:r>
               <a:rPr lang="en-US" dirty="0"/>
-              <a:t>Background</a:t>
-            </a:r>
-          </a:p>
-        </p:txBody>
-      </p:sp>
-      <p:sp>
-        <p:nvSpPr>
-          <p:cNvPr id="3" name="Content Placeholder 2">
-            <a:extLst>
-              <a:ext uri="{FF2B5EF4-FFF2-40B4-BE49-F238E27FC236}">
-                <a16:creationId xmlns:a16="http://schemas.microsoft.com/office/drawing/2014/main" id="{6A448476-A5AF-4158-BD0A-653105952971}"/>
-              </a:ext>
-            </a:extLst>
-          </p:cNvPr>
-          <p:cNvSpPr>
-            <a:spLocks noGrp="1"/>
-          </p:cNvSpPr>
-          <p:nvPr>
-            <p:ph idx="1"/>
-          </p:nvPr>
-        </p:nvSpPr>
-        <p:spPr>
-          <a:xfrm>
-            <a:off x="640079" y="1428750"/>
-            <a:ext cx="8946541" cy="4195481"/>
-          </a:xfrm>
-        </p:spPr>
-        <p:txBody>
-          <a:bodyPr/>
-          <a:lstStyle/>
-          <a:p>
-            <a:r>
-              <a:rPr lang="en-US" dirty="0"/>
-              <a:t>So how does this network work?</a:t>
-            </a:r>
-          </a:p>
-          <a:p>
-            <a:r>
-              <a:rPr lang="en-US" dirty="0"/>
-              <a:t>Neural networks are a way of modeling datasets.</a:t>
-            </a:r>
-          </a:p>
-          <a:p>
-            <a:r>
-              <a:rPr lang="en-US" dirty="0"/>
-              <a:t>They have several advantages compared to other methods.</a:t>
-            </a:r>
-          </a:p>
-          <a:p>
-            <a:pPr lvl="1"/>
-            <a:r>
-              <a:rPr lang="en-US" dirty="0"/>
-              <a:t>Many dimensions</a:t>
-            </a:r>
-          </a:p>
-          <a:p>
-            <a:pPr lvl="1"/>
-            <a:r>
-              <a:rPr lang="en-US" dirty="0"/>
-              <a:t>Very generalizable</a:t>
-            </a:r>
-          </a:p>
-          <a:p>
-            <a:pPr lvl="1"/>
-            <a:r>
-              <a:rPr lang="en-US" dirty="0"/>
-              <a:t>Significantly easier to create</a:t>
+              <a:t>Solving the problems</a:t>
             </a:r>
           </a:p>
         </p:txBody>
       </p:sp>
       <p:pic>
         <p:nvPicPr>
-          <p:cNvPr id="2050" name="Picture 2" descr="Image result for neural network neuron">
+          <p:cNvPr id="7170" name="Picture 2" descr="Image result for depth map">
             <a:extLst>
               <a:ext uri="{FF2B5EF4-FFF2-40B4-BE49-F238E27FC236}">
-                <a16:creationId xmlns:a16="http://schemas.microsoft.com/office/drawing/2014/main" id="{42740565-AAFD-4F23-8986-2198FB07C0ED}"/>
+                <a16:creationId xmlns:a16="http://schemas.microsoft.com/office/drawing/2014/main" id="{63CFE17D-CE54-4E7D-8D20-9D6C698A8F00}"/>
               </a:ext>
             </a:extLst>
           </p:cNvPr>
@@ -7246,8 +7144,8 @@
         </p:blipFill>
         <p:spPr bwMode="auto">
           <a:xfrm>
-            <a:off x="6144877" y="3894264"/>
-            <a:ext cx="5064634" cy="2976327"/>
+            <a:off x="1371600" y="1661984"/>
+            <a:ext cx="9192904" cy="2350458"/>
           </a:xfrm>
           <a:prstGeom prst="rect">
             <a:avLst/>
@@ -7266,10 +7164,10 @@
       </p:pic>
       <p:pic>
         <p:nvPicPr>
-          <p:cNvPr id="2052" name="Picture 4" descr="Image result for neural network">
+          <p:cNvPr id="7172" name="Picture 4" descr="Image result for depth map">
             <a:extLst>
               <a:ext uri="{FF2B5EF4-FFF2-40B4-BE49-F238E27FC236}">
-                <a16:creationId xmlns:a16="http://schemas.microsoft.com/office/drawing/2014/main" id="{900840AD-53F0-4845-9CF0-66C0066BEE6D}"/>
+                <a16:creationId xmlns:a16="http://schemas.microsoft.com/office/drawing/2014/main" id="{07C415BB-7294-4F70-9906-9BA814E680B6}"/>
               </a:ext>
             </a:extLst>
           </p:cNvPr>
@@ -7293,8 +7191,8 @@
         </p:blipFill>
         <p:spPr bwMode="auto">
           <a:xfrm>
-            <a:off x="2125553" y="3887619"/>
-            <a:ext cx="3512888" cy="2970381"/>
+            <a:off x="1371600" y="4328852"/>
+            <a:ext cx="4111388" cy="2413511"/>
           </a:xfrm>
           <a:prstGeom prst="rect">
             <a:avLst/>
@@ -7314,7 +7212,7 @@
     </p:spTree>
     <p:extLst>
       <p:ext uri="{BB962C8B-B14F-4D97-AF65-F5344CB8AC3E}">
-        <p14:creationId xmlns:p14="http://schemas.microsoft.com/office/powerpoint/2010/main" val="2696301841"/>
+        <p14:creationId xmlns:p14="http://schemas.microsoft.com/office/powerpoint/2010/main" val="1996846594"/>
       </p:ext>
     </p:extLst>
   </p:cSld>
@@ -7354,7 +7252,7 @@
           <p:cNvPr id="2" name="Title 1">
             <a:extLst>
               <a:ext uri="{FF2B5EF4-FFF2-40B4-BE49-F238E27FC236}">
-                <a16:creationId xmlns:a16="http://schemas.microsoft.com/office/drawing/2014/main" id="{F9487661-C667-4077-966F-23FFF3E08A88}"/>
+                <a16:creationId xmlns:a16="http://schemas.microsoft.com/office/drawing/2014/main" id="{199E0C0B-7491-4CE6-A503-17EFE4339C94}"/>
               </a:ext>
             </a:extLst>
           </p:cNvPr>
@@ -7365,34 +7263,95 @@
             <p:ph type="title"/>
           </p:nvPr>
         </p:nvSpPr>
-        <p:spPr>
-          <a:xfrm>
-            <a:off x="1371600" y="685800"/>
-            <a:ext cx="9601200" cy="777240"/>
-          </a:xfrm>
-        </p:spPr>
+        <p:spPr/>
         <p:txBody>
           <a:bodyPr/>
           <a:lstStyle/>
           <a:p>
             <a:r>
               <a:rPr lang="en-US" dirty="0"/>
-              <a:t>Convolutional Neural Network</a:t>
+              <a:t>Background</a:t>
+            </a:r>
+          </a:p>
+        </p:txBody>
+      </p:sp>
+      <p:sp>
+        <p:nvSpPr>
+          <p:cNvPr id="3" name="Content Placeholder 2">
+            <a:extLst>
+              <a:ext uri="{FF2B5EF4-FFF2-40B4-BE49-F238E27FC236}">
+                <a16:creationId xmlns:a16="http://schemas.microsoft.com/office/drawing/2014/main" id="{6A448476-A5AF-4158-BD0A-653105952971}"/>
+              </a:ext>
+            </a:extLst>
+          </p:cNvPr>
+          <p:cNvSpPr>
+            <a:spLocks noGrp="1"/>
+          </p:cNvSpPr>
+          <p:nvPr>
+            <p:ph idx="1"/>
+          </p:nvPr>
+        </p:nvSpPr>
+        <p:spPr>
+          <a:xfrm>
+            <a:off x="640079" y="1428750"/>
+            <a:ext cx="8946541" cy="4195481"/>
+          </a:xfrm>
+        </p:spPr>
+        <p:txBody>
+          <a:bodyPr/>
+          <a:lstStyle/>
+          <a:p>
+            <a:r>
+              <a:rPr lang="en-US" dirty="0"/>
+              <a:t>So how does this network work?</a:t>
+            </a:r>
+          </a:p>
+          <a:p>
+            <a:r>
+              <a:rPr lang="en-US" dirty="0"/>
+              <a:t>Neural networks are a way of modeling datasets.</a:t>
+            </a:r>
+          </a:p>
+          <a:p>
+            <a:r>
+              <a:rPr lang="en-US" dirty="0"/>
+              <a:t>They have several advantages compared to other methods.</a:t>
+            </a:r>
+          </a:p>
+          <a:p>
+            <a:pPr lvl="1"/>
+            <a:r>
+              <a:rPr lang="en-US" dirty="0"/>
+              <a:t>Many dimensions</a:t>
+            </a:r>
+          </a:p>
+          <a:p>
+            <a:pPr lvl="1"/>
+            <a:r>
+              <a:rPr lang="en-US" dirty="0"/>
+              <a:t>Very generalizable</a:t>
+            </a:r>
+          </a:p>
+          <a:p>
+            <a:pPr lvl="1"/>
+            <a:r>
+              <a:rPr lang="en-US" dirty="0"/>
+              <a:t>Significantly easier to create</a:t>
             </a:r>
           </a:p>
         </p:txBody>
       </p:sp>
       <p:pic>
         <p:nvPicPr>
-          <p:cNvPr id="3078" name="Picture 6" descr="../_images/numerical_padding_strides.gif">
+          <p:cNvPr id="2050" name="Picture 2" descr="Image result for neural network neuron">
             <a:extLst>
               <a:ext uri="{FF2B5EF4-FFF2-40B4-BE49-F238E27FC236}">
-                <a16:creationId xmlns:a16="http://schemas.microsoft.com/office/drawing/2014/main" id="{56322005-63FC-4F36-B428-D3ADA26E92F4}"/>
+                <a16:creationId xmlns:a16="http://schemas.microsoft.com/office/drawing/2014/main" id="{42740565-AAFD-4F23-8986-2198FB07C0ED}"/>
               </a:ext>
             </a:extLst>
           </p:cNvPr>
           <p:cNvPicPr>
-            <a:picLocks noChangeAspect="1" noChangeArrowheads="1" noCrop="1"/>
+            <a:picLocks noChangeAspect="1" noChangeArrowheads="1"/>
           </p:cNvPicPr>
           <p:nvPr/>
         </p:nvPicPr>
@@ -7411,8 +7370,8 @@
         </p:blipFill>
         <p:spPr bwMode="auto">
           <a:xfrm>
-            <a:off x="5610225" y="1558110"/>
-            <a:ext cx="5904621" cy="4145163"/>
+            <a:off x="6144877" y="3894264"/>
+            <a:ext cx="5064634" cy="2976327"/>
           </a:xfrm>
           <a:prstGeom prst="rect">
             <a:avLst/>
@@ -7431,15 +7390,15 @@
       </p:pic>
       <p:pic>
         <p:nvPicPr>
-          <p:cNvPr id="3080" name="Picture 8" descr="../_images/padding_strides.gif">
+          <p:cNvPr id="2052" name="Picture 4" descr="Image result for neural network">
             <a:extLst>
               <a:ext uri="{FF2B5EF4-FFF2-40B4-BE49-F238E27FC236}">
-                <a16:creationId xmlns:a16="http://schemas.microsoft.com/office/drawing/2014/main" id="{2E448F5B-37F9-41B4-B7D9-29BD05CD7CE6}"/>
+                <a16:creationId xmlns:a16="http://schemas.microsoft.com/office/drawing/2014/main" id="{900840AD-53F0-4845-9CF0-66C0066BEE6D}"/>
               </a:ext>
             </a:extLst>
           </p:cNvPr>
           <p:cNvPicPr>
-            <a:picLocks noChangeAspect="1" noChangeArrowheads="1" noCrop="1"/>
+            <a:picLocks noChangeAspect="1" noChangeArrowheads="1"/>
           </p:cNvPicPr>
           <p:nvPr/>
         </p:nvPicPr>
@@ -7458,8 +7417,8 @@
         </p:blipFill>
         <p:spPr bwMode="auto">
           <a:xfrm>
-            <a:off x="1250924" y="1528294"/>
-            <a:ext cx="4359301" cy="4204794"/>
+            <a:off x="2125553" y="3887619"/>
+            <a:ext cx="3512888" cy="2970381"/>
           </a:xfrm>
           <a:prstGeom prst="rect">
             <a:avLst/>
@@ -7479,7 +7438,7 @@
     </p:spTree>
     <p:extLst>
       <p:ext uri="{BB962C8B-B14F-4D97-AF65-F5344CB8AC3E}">
-        <p14:creationId xmlns:p14="http://schemas.microsoft.com/office/powerpoint/2010/main" val="2257445530"/>
+        <p14:creationId xmlns:p14="http://schemas.microsoft.com/office/powerpoint/2010/main" val="2696301841"/>
       </p:ext>
     </p:extLst>
   </p:cSld>
@@ -7514,17 +7473,50 @@
           <a:chExt cx="0" cy="0"/>
         </a:xfrm>
       </p:grpSpPr>
+      <p:sp>
+        <p:nvSpPr>
+          <p:cNvPr id="2" name="Title 1">
+            <a:extLst>
+              <a:ext uri="{FF2B5EF4-FFF2-40B4-BE49-F238E27FC236}">
+                <a16:creationId xmlns:a16="http://schemas.microsoft.com/office/drawing/2014/main" id="{F9487661-C667-4077-966F-23FFF3E08A88}"/>
+              </a:ext>
+            </a:extLst>
+          </p:cNvPr>
+          <p:cNvSpPr>
+            <a:spLocks noGrp="1"/>
+          </p:cNvSpPr>
+          <p:nvPr>
+            <p:ph type="title"/>
+          </p:nvPr>
+        </p:nvSpPr>
+        <p:spPr>
+          <a:xfrm>
+            <a:off x="1371600" y="685800"/>
+            <a:ext cx="9601200" cy="777240"/>
+          </a:xfrm>
+        </p:spPr>
+        <p:txBody>
+          <a:bodyPr/>
+          <a:lstStyle/>
+          <a:p>
+            <a:r>
+              <a:rPr lang="en-US" dirty="0"/>
+              <a:t>Convolutional Neural Network</a:t>
+            </a:r>
+          </a:p>
+        </p:txBody>
+      </p:sp>
       <p:pic>
         <p:nvPicPr>
-          <p:cNvPr id="4098" name="Picture 2" descr="Image result for convolutional network diagram">
+          <p:cNvPr id="3078" name="Picture 6" descr="../_images/numerical_padding_strides.gif">
             <a:extLst>
               <a:ext uri="{FF2B5EF4-FFF2-40B4-BE49-F238E27FC236}">
-                <a16:creationId xmlns:a16="http://schemas.microsoft.com/office/drawing/2014/main" id="{9821E454-76B0-42FC-BE46-B01948C89BB1}"/>
+                <a16:creationId xmlns:a16="http://schemas.microsoft.com/office/drawing/2014/main" id="{56322005-63FC-4F36-B428-D3ADA26E92F4}"/>
               </a:ext>
             </a:extLst>
           </p:cNvPr>
           <p:cNvPicPr>
-            <a:picLocks noChangeAspect="1" noChangeArrowheads="1"/>
+            <a:picLocks noChangeAspect="1" noChangeArrowheads="1" noCrop="1"/>
           </p:cNvPicPr>
           <p:nvPr/>
         </p:nvPicPr>
@@ -7543,8 +7535,8 @@
         </p:blipFill>
         <p:spPr bwMode="auto">
           <a:xfrm>
-            <a:off x="809699" y="3179298"/>
-            <a:ext cx="11089223" cy="3573194"/>
+            <a:off x="5610225" y="1558110"/>
+            <a:ext cx="5904621" cy="4145163"/>
           </a:xfrm>
           <a:prstGeom prst="rect">
             <a:avLst/>
@@ -7563,15 +7555,15 @@
       </p:pic>
       <p:pic>
         <p:nvPicPr>
-          <p:cNvPr id="4100" name="Picture 4" descr="Image result for pooling layer diagram">
+          <p:cNvPr id="3080" name="Picture 8" descr="../_images/padding_strides.gif">
             <a:extLst>
               <a:ext uri="{FF2B5EF4-FFF2-40B4-BE49-F238E27FC236}">
-                <a16:creationId xmlns:a16="http://schemas.microsoft.com/office/drawing/2014/main" id="{FD734AC6-B9B9-4CFC-96D8-2C10FA6FAF77}"/>
+                <a16:creationId xmlns:a16="http://schemas.microsoft.com/office/drawing/2014/main" id="{2E448F5B-37F9-41B4-B7D9-29BD05CD7CE6}"/>
               </a:ext>
             </a:extLst>
           </p:cNvPr>
           <p:cNvPicPr>
-            <a:picLocks noChangeAspect="1" noChangeArrowheads="1"/>
+            <a:picLocks noChangeAspect="1" noChangeArrowheads="1" noCrop="1"/>
           </p:cNvPicPr>
           <p:nvPr/>
         </p:nvPicPr>
@@ -7590,8 +7582,8 @@
         </p:blipFill>
         <p:spPr bwMode="auto">
           <a:xfrm>
-            <a:off x="809699" y="0"/>
-            <a:ext cx="6578656" cy="3427535"/>
+            <a:off x="1250924" y="1528294"/>
+            <a:ext cx="4359301" cy="4204794"/>
           </a:xfrm>
           <a:prstGeom prst="rect">
             <a:avLst/>
@@ -7611,7 +7603,7 @@
     </p:spTree>
     <p:extLst>
       <p:ext uri="{BB962C8B-B14F-4D97-AF65-F5344CB8AC3E}">
-        <p14:creationId xmlns:p14="http://schemas.microsoft.com/office/powerpoint/2010/main" val="1950245739"/>
+        <p14:creationId xmlns:p14="http://schemas.microsoft.com/office/powerpoint/2010/main" val="2257445530"/>
       </p:ext>
     </p:extLst>
   </p:cSld>
@@ -7646,45 +7638,12 @@
           <a:chExt cx="0" cy="0"/>
         </a:xfrm>
       </p:grpSpPr>
-      <p:sp>
-        <p:nvSpPr>
-          <p:cNvPr id="2" name="Title 1">
-            <a:extLst>
-              <a:ext uri="{FF2B5EF4-FFF2-40B4-BE49-F238E27FC236}">
-                <a16:creationId xmlns:a16="http://schemas.microsoft.com/office/drawing/2014/main" id="{F3E288A5-E97E-4B80-994F-961679D1028F}"/>
-              </a:ext>
-            </a:extLst>
-          </p:cNvPr>
-          <p:cNvSpPr>
-            <a:spLocks noGrp="1"/>
-          </p:cNvSpPr>
-          <p:nvPr>
-            <p:ph type="title"/>
-          </p:nvPr>
-        </p:nvSpPr>
-        <p:spPr>
-          <a:xfrm>
-            <a:off x="1371600" y="685800"/>
-            <a:ext cx="9601200" cy="791308"/>
-          </a:xfrm>
-        </p:spPr>
-        <p:txBody>
-          <a:bodyPr/>
-          <a:lstStyle/>
-          <a:p>
-            <a:r>
-              <a:rPr lang="en-US" dirty="0"/>
-              <a:t>Generative Adversarial Networks</a:t>
-            </a:r>
-          </a:p>
-        </p:txBody>
-      </p:sp>
       <p:pic>
         <p:nvPicPr>
-          <p:cNvPr id="5122" name="Picture 2" descr="Image result for general adversarial network diagram">
+          <p:cNvPr id="4098" name="Picture 2" descr="Image result for convolutional network diagram">
             <a:extLst>
               <a:ext uri="{FF2B5EF4-FFF2-40B4-BE49-F238E27FC236}">
-                <a16:creationId xmlns:a16="http://schemas.microsoft.com/office/drawing/2014/main" id="{E6085F81-F871-459F-8AC1-2339FC55C7D0}"/>
+                <a16:creationId xmlns:a16="http://schemas.microsoft.com/office/drawing/2014/main" id="{9821E454-76B0-42FC-BE46-B01948C89BB1}"/>
               </a:ext>
             </a:extLst>
           </p:cNvPr>
@@ -7708,8 +7667,8 @@
         </p:blipFill>
         <p:spPr bwMode="auto">
           <a:xfrm>
-            <a:off x="1371600" y="1477108"/>
-            <a:ext cx="9334500" cy="5197177"/>
+            <a:off x="809699" y="3179298"/>
+            <a:ext cx="11089223" cy="3573194"/>
           </a:xfrm>
           <a:prstGeom prst="rect">
             <a:avLst/>
@@ -7726,10 +7685,57 @@
           </a:extLst>
         </p:spPr>
       </p:pic>
+      <p:pic>
+        <p:nvPicPr>
+          <p:cNvPr id="4100" name="Picture 4" descr="Image result for pooling layer diagram">
+            <a:extLst>
+              <a:ext uri="{FF2B5EF4-FFF2-40B4-BE49-F238E27FC236}">
+                <a16:creationId xmlns:a16="http://schemas.microsoft.com/office/drawing/2014/main" id="{FD734AC6-B9B9-4CFC-96D8-2C10FA6FAF77}"/>
+              </a:ext>
+            </a:extLst>
+          </p:cNvPr>
+          <p:cNvPicPr>
+            <a:picLocks noChangeAspect="1" noChangeArrowheads="1"/>
+          </p:cNvPicPr>
+          <p:nvPr/>
+        </p:nvPicPr>
+        <p:blipFill>
+          <a:blip r:embed="rId3">
+            <a:extLst>
+              <a:ext uri="{28A0092B-C50C-407E-A947-70E740481C1C}">
+                <a14:useLocalDpi xmlns:a14="http://schemas.microsoft.com/office/drawing/2010/main" val="0"/>
+              </a:ext>
+            </a:extLst>
+          </a:blip>
+          <a:srcRect/>
+          <a:stretch>
+            <a:fillRect/>
+          </a:stretch>
+        </p:blipFill>
+        <p:spPr bwMode="auto">
+          <a:xfrm>
+            <a:off x="809699" y="0"/>
+            <a:ext cx="6578656" cy="3427535"/>
+          </a:xfrm>
+          <a:prstGeom prst="rect">
+            <a:avLst/>
+          </a:prstGeom>
+          <a:noFill/>
+          <a:extLst>
+            <a:ext uri="{909E8E84-426E-40DD-AFC4-6F175D3DCCD1}">
+              <a14:hiddenFill xmlns:a14="http://schemas.microsoft.com/office/drawing/2010/main">
+                <a:solidFill>
+                  <a:srgbClr val="FFFFFF"/>
+                </a:solidFill>
+              </a14:hiddenFill>
+            </a:ext>
+          </a:extLst>
+        </p:spPr>
+      </p:pic>
     </p:spTree>
     <p:extLst>
       <p:ext uri="{BB962C8B-B14F-4D97-AF65-F5344CB8AC3E}">
-        <p14:creationId xmlns:p14="http://schemas.microsoft.com/office/powerpoint/2010/main" val="704181899"/>
+        <p14:creationId xmlns:p14="http://schemas.microsoft.com/office/powerpoint/2010/main" val="1950245739"/>
       </p:ext>
     </p:extLst>
   </p:cSld>

--- a/Ooh look a title.pptx
+++ b/Ooh look a title.pptx
@@ -17,8 +17,9 @@
     <p:sldId id="263" r:id="rId11"/>
     <p:sldId id="265" r:id="rId12"/>
     <p:sldId id="268" r:id="rId13"/>
-    <p:sldId id="269" r:id="rId14"/>
-    <p:sldId id="264" r:id="rId15"/>
+    <p:sldId id="270" r:id="rId14"/>
+    <p:sldId id="269" r:id="rId15"/>
+    <p:sldId id="264" r:id="rId16"/>
   </p:sldIdLst>
   <p:sldSz cx="12192000" cy="6858000"/>
   <p:notesSz cx="6858000" cy="9144000"/>
@@ -125,10 +126,6 @@
 </p:presentation>
 </file>
 
-<file path=ppt/revisionInfo.xml><?xml version="1.0" encoding="utf-8"?>
-<p1510:revInfo xmlns:a="http://schemas.openxmlformats.org/drawingml/2006/main" xmlns:r="http://schemas.openxmlformats.org/officeDocument/2006/relationships" xmlns:p1510="http://schemas.microsoft.com/office/powerpoint/2015/10/main"/>
-</file>
-
 <file path=ppt/slideLayouts/slideLayout1.xml><?xml version="1.0" encoding="utf-8"?>
 <p:sldLayout xmlns:a="http://schemas.openxmlformats.org/drawingml/2006/main" xmlns:r="http://schemas.openxmlformats.org/officeDocument/2006/relationships" xmlns:p="http://schemas.openxmlformats.org/presentationml/2006/main" showMasterSp="0" type="title" preserve="1">
   <p:cSld name="Title Slide">
@@ -298,7 +295,7 @@
           <a:p>
             <a:fld id="{4AAD347D-5ACD-4C99-B74B-A9C85AD731AF}" type="datetimeFigureOut">
               <a:rPr lang="en-US" smtClean="0"/>
-              <a:t>1/28/2019</a:t>
+              <a:t>1/31/2019</a:t>
             </a:fld>
             <a:endParaRPr lang="en-US" dirty="0"/>
           </a:p>
@@ -628,7 +625,7 @@
           <a:p>
             <a:fld id="{4509A250-FF31-4206-8172-F9D3106AACB1}" type="datetimeFigureOut">
               <a:rPr lang="en-US" smtClean="0"/>
-              <a:t>1/28/2019</a:t>
+              <a:t>1/31/2019</a:t>
             </a:fld>
             <a:endParaRPr lang="en-US" dirty="0"/>
           </a:p>
@@ -808,7 +805,7 @@
           <a:p>
             <a:fld id="{4509A250-FF31-4206-8172-F9D3106AACB1}" type="datetimeFigureOut">
               <a:rPr lang="en-US" smtClean="0"/>
-              <a:t>1/28/2019</a:t>
+              <a:t>1/31/2019</a:t>
             </a:fld>
             <a:endParaRPr lang="en-US" dirty="0"/>
           </a:p>
@@ -978,7 +975,7 @@
           <a:p>
             <a:fld id="{4509A250-FF31-4206-8172-F9D3106AACB1}" type="datetimeFigureOut">
               <a:rPr lang="en-US" smtClean="0"/>
-              <a:t>1/28/2019</a:t>
+              <a:t>1/31/2019</a:t>
             </a:fld>
             <a:endParaRPr lang="en-US" dirty="0"/>
           </a:p>
@@ -1255,7 +1252,7 @@
           <a:p>
             <a:fld id="{9796027F-7875-4030-9381-8BD8C4F21935}" type="datetimeFigureOut">
               <a:rPr lang="en-US" smtClean="0"/>
-              <a:t>1/28/2019</a:t>
+              <a:t>1/31/2019</a:t>
             </a:fld>
             <a:endParaRPr lang="en-US" dirty="0"/>
           </a:p>
@@ -1649,7 +1646,7 @@
           <a:p>
             <a:fld id="{9796027F-7875-4030-9381-8BD8C4F21935}" type="datetimeFigureOut">
               <a:rPr lang="en-US" smtClean="0"/>
-              <a:t>1/28/2019</a:t>
+              <a:t>1/31/2019</a:t>
             </a:fld>
             <a:endParaRPr lang="en-US" dirty="0"/>
           </a:p>
@@ -2126,7 +2123,7 @@
           <a:p>
             <a:fld id="{9796027F-7875-4030-9381-8BD8C4F21935}" type="datetimeFigureOut">
               <a:rPr lang="en-US" smtClean="0"/>
-              <a:t>1/28/2019</a:t>
+              <a:t>1/31/2019</a:t>
             </a:fld>
             <a:endParaRPr lang="en-US" dirty="0"/>
           </a:p>
@@ -2244,7 +2241,7 @@
           <a:p>
             <a:fld id="{4509A250-FF31-4206-8172-F9D3106AACB1}" type="datetimeFigureOut">
               <a:rPr lang="en-US" smtClean="0"/>
-              <a:t>1/28/2019</a:t>
+              <a:t>1/31/2019</a:t>
             </a:fld>
             <a:endParaRPr lang="en-US" dirty="0"/>
           </a:p>
@@ -2339,7 +2336,7 @@
           <a:p>
             <a:fld id="{4509A250-FF31-4206-8172-F9D3106AACB1}" type="datetimeFigureOut">
               <a:rPr lang="en-US" smtClean="0"/>
-              <a:t>1/28/2019</a:t>
+              <a:t>1/31/2019</a:t>
             </a:fld>
             <a:endParaRPr lang="en-US" dirty="0"/>
           </a:p>
@@ -2685,7 +2682,7 @@
           <a:p>
             <a:fld id="{4509A250-FF31-4206-8172-F9D3106AACB1}" type="datetimeFigureOut">
               <a:rPr lang="en-US" smtClean="0"/>
-              <a:t>1/28/2019</a:t>
+              <a:t>1/31/2019</a:t>
             </a:fld>
             <a:endParaRPr lang="en-US" dirty="0"/>
           </a:p>
@@ -3073,7 +3070,7 @@
           <a:p>
             <a:fld id="{4509A250-FF31-4206-8172-F9D3106AACB1}" type="datetimeFigureOut">
               <a:rPr lang="en-US" smtClean="0"/>
-              <a:t>1/28/2019</a:t>
+              <a:t>1/31/2019</a:t>
             </a:fld>
             <a:endParaRPr lang="en-US" dirty="0"/>
           </a:p>
@@ -3351,7 +3348,7 @@
           <a:p>
             <a:fld id="{4AAD347D-5ACD-4C99-B74B-A9C85AD731AF}" type="datetimeFigureOut">
               <a:rPr lang="en-US" smtClean="0"/>
-              <a:t>1/28/2019</a:t>
+              <a:t>1/31/2019</a:t>
             </a:fld>
             <a:endParaRPr lang="en-US" dirty="0"/>
           </a:p>
@@ -5137,6 +5134,99 @@
 <file path=ppt/slides/slide13.xml><?xml version="1.0" encoding="utf-8"?>
 <p:sld xmlns:a="http://schemas.openxmlformats.org/drawingml/2006/main" xmlns:r="http://schemas.openxmlformats.org/officeDocument/2006/relationships" xmlns:p="http://schemas.openxmlformats.org/presentationml/2006/main">
   <p:cSld>
+    <p:spTree>
+      <p:nvGrpSpPr>
+        <p:cNvPr id="1" name=""/>
+        <p:cNvGrpSpPr/>
+        <p:nvPr/>
+      </p:nvGrpSpPr>
+      <p:grpSpPr>
+        <a:xfrm>
+          <a:off x="0" y="0"/>
+          <a:ext cx="0" cy="0"/>
+          <a:chOff x="0" y="0"/>
+          <a:chExt cx="0" cy="0"/>
+        </a:xfrm>
+      </p:grpSpPr>
+      <p:sp>
+        <p:nvSpPr>
+          <p:cNvPr id="2" name="Title 1">
+            <a:extLst>
+              <a:ext uri="{FF2B5EF4-FFF2-40B4-BE49-F238E27FC236}">
+                <a16:creationId xmlns:a16="http://schemas.microsoft.com/office/drawing/2014/main" id="{06D8C261-2E32-49D7-80D9-4F2047E9BF29}"/>
+              </a:ext>
+            </a:extLst>
+          </p:cNvPr>
+          <p:cNvSpPr>
+            <a:spLocks noGrp="1"/>
+          </p:cNvSpPr>
+          <p:nvPr>
+            <p:ph type="title"/>
+          </p:nvPr>
+        </p:nvSpPr>
+        <p:spPr>
+          <a:xfrm>
+            <a:off x="1130969" y="340894"/>
+            <a:ext cx="9601200" cy="774032"/>
+          </a:xfrm>
+        </p:spPr>
+        <p:txBody>
+          <a:bodyPr/>
+          <a:lstStyle/>
+          <a:p>
+            <a:r>
+              <a:rPr lang="en-US" dirty="0"/>
+              <a:t>Results/Progress</a:t>
+            </a:r>
+          </a:p>
+        </p:txBody>
+      </p:sp>
+      <p:sp>
+        <p:nvSpPr>
+          <p:cNvPr id="3" name="Content Placeholder 2">
+            <a:extLst>
+              <a:ext uri="{FF2B5EF4-FFF2-40B4-BE49-F238E27FC236}">
+                <a16:creationId xmlns:a16="http://schemas.microsoft.com/office/drawing/2014/main" id="{C1ACB455-706E-4030-8E00-08B072C78575}"/>
+              </a:ext>
+            </a:extLst>
+          </p:cNvPr>
+          <p:cNvSpPr>
+            <a:spLocks noGrp="1"/>
+          </p:cNvSpPr>
+          <p:nvPr>
+            <p:ph idx="1"/>
+          </p:nvPr>
+        </p:nvSpPr>
+        <p:spPr>
+          <a:xfrm>
+            <a:off x="1130969" y="1114926"/>
+            <a:ext cx="9601200" cy="4407568"/>
+          </a:xfrm>
+        </p:spPr>
+        <p:txBody>
+          <a:bodyPr/>
+          <a:lstStyle/>
+          <a:p>
+            <a:endParaRPr lang="en-US" dirty="0"/>
+          </a:p>
+        </p:txBody>
+      </p:sp>
+    </p:spTree>
+    <p:extLst>
+      <p:ext uri="{BB962C8B-B14F-4D97-AF65-F5344CB8AC3E}">
+        <p14:creationId xmlns:p14="http://schemas.microsoft.com/office/powerpoint/2010/main" val="1295168599"/>
+      </p:ext>
+    </p:extLst>
+  </p:cSld>
+  <p:clrMapOvr>
+    <a:masterClrMapping/>
+  </p:clrMapOvr>
+</p:sld>
+</file>
+
+<file path=ppt/slides/slide14.xml><?xml version="1.0" encoding="utf-8"?>
+<p:sld xmlns:a="http://schemas.openxmlformats.org/drawingml/2006/main" xmlns:r="http://schemas.openxmlformats.org/officeDocument/2006/relationships" xmlns:p="http://schemas.openxmlformats.org/presentationml/2006/main">
+  <p:cSld>
     <p:bg>
       <p:bgPr>
         <a:solidFill>
@@ -6221,7 +6311,7 @@
 </p:sld>
 </file>
 
-<file path=ppt/slides/slide14.xml><?xml version="1.0" encoding="utf-8"?>
+<file path=ppt/slides/slide15.xml><?xml version="1.0" encoding="utf-8"?>
 <p:sld xmlns:a="http://schemas.openxmlformats.org/drawingml/2006/main" xmlns:r="http://schemas.openxmlformats.org/officeDocument/2006/relationships" xmlns:p="http://schemas.openxmlformats.org/presentationml/2006/main">
   <p:cSld>
     <p:bg>
